--- a/Julio_Rodrigues_SP_Apresentacao.pptx
+++ b/Julio_Rodrigues_SP_Apresentacao.pptx
@@ -106,6 +106,11 @@
       </a:defRPr>
     </a:lvl9pPr>
   </p:defaultTextStyle>
+  <p:extLst>
+    <p:ext uri="{EFAFB233-063F-42B5-8137-9DF3F51BA10A}">
+      <p15:sldGuideLst xmlns:p15="http://schemas.microsoft.com/office/powerpoint/2012/main"/>
+    </p:ext>
+  </p:extLst>
 </p:presentation>
 </file>
 
@@ -256,7 +261,7 @@
           <a:p>
             <a:fld id="{843A560C-15C6-4D7B-A588-66739DD01D36}" type="datetimeFigureOut">
               <a:rPr lang="pt-BR" smtClean="0"/>
-              <a:t>20/10/2022</a:t>
+              <a:t>21/10/2022</a:t>
             </a:fld>
             <a:endParaRPr lang="pt-BR"/>
           </a:p>
@@ -454,7 +459,7 @@
           <a:p>
             <a:fld id="{843A560C-15C6-4D7B-A588-66739DD01D36}" type="datetimeFigureOut">
               <a:rPr lang="pt-BR" smtClean="0"/>
-              <a:t>20/10/2022</a:t>
+              <a:t>21/10/2022</a:t>
             </a:fld>
             <a:endParaRPr lang="pt-BR"/>
           </a:p>
@@ -662,7 +667,7 @@
           <a:p>
             <a:fld id="{843A560C-15C6-4D7B-A588-66739DD01D36}" type="datetimeFigureOut">
               <a:rPr lang="pt-BR" smtClean="0"/>
-              <a:t>20/10/2022</a:t>
+              <a:t>21/10/2022</a:t>
             </a:fld>
             <a:endParaRPr lang="pt-BR"/>
           </a:p>
@@ -860,7 +865,7 @@
           <a:p>
             <a:fld id="{843A560C-15C6-4D7B-A588-66739DD01D36}" type="datetimeFigureOut">
               <a:rPr lang="pt-BR" smtClean="0"/>
-              <a:t>20/10/2022</a:t>
+              <a:t>21/10/2022</a:t>
             </a:fld>
             <a:endParaRPr lang="pt-BR"/>
           </a:p>
@@ -1135,7 +1140,7 @@
           <a:p>
             <a:fld id="{843A560C-15C6-4D7B-A588-66739DD01D36}" type="datetimeFigureOut">
               <a:rPr lang="pt-BR" smtClean="0"/>
-              <a:t>20/10/2022</a:t>
+              <a:t>21/10/2022</a:t>
             </a:fld>
             <a:endParaRPr lang="pt-BR"/>
           </a:p>
@@ -1400,7 +1405,7 @@
           <a:p>
             <a:fld id="{843A560C-15C6-4D7B-A588-66739DD01D36}" type="datetimeFigureOut">
               <a:rPr lang="pt-BR" smtClean="0"/>
-              <a:t>20/10/2022</a:t>
+              <a:t>21/10/2022</a:t>
             </a:fld>
             <a:endParaRPr lang="pt-BR"/>
           </a:p>
@@ -1812,7 +1817,7 @@
           <a:p>
             <a:fld id="{843A560C-15C6-4D7B-A588-66739DD01D36}" type="datetimeFigureOut">
               <a:rPr lang="pt-BR" smtClean="0"/>
-              <a:t>20/10/2022</a:t>
+              <a:t>21/10/2022</a:t>
             </a:fld>
             <a:endParaRPr lang="pt-BR"/>
           </a:p>
@@ -1953,7 +1958,7 @@
           <a:p>
             <a:fld id="{843A560C-15C6-4D7B-A588-66739DD01D36}" type="datetimeFigureOut">
               <a:rPr lang="pt-BR" smtClean="0"/>
-              <a:t>20/10/2022</a:t>
+              <a:t>21/10/2022</a:t>
             </a:fld>
             <a:endParaRPr lang="pt-BR"/>
           </a:p>
@@ -2066,7 +2071,7 @@
           <a:p>
             <a:fld id="{843A560C-15C6-4D7B-A588-66739DD01D36}" type="datetimeFigureOut">
               <a:rPr lang="pt-BR" smtClean="0"/>
-              <a:t>20/10/2022</a:t>
+              <a:t>21/10/2022</a:t>
             </a:fld>
             <a:endParaRPr lang="pt-BR"/>
           </a:p>
@@ -2377,7 +2382,7 @@
           <a:p>
             <a:fld id="{843A560C-15C6-4D7B-A588-66739DD01D36}" type="datetimeFigureOut">
               <a:rPr lang="pt-BR" smtClean="0"/>
-              <a:t>20/10/2022</a:t>
+              <a:t>21/10/2022</a:t>
             </a:fld>
             <a:endParaRPr lang="pt-BR"/>
           </a:p>
@@ -2665,7 +2670,7 @@
           <a:p>
             <a:fld id="{843A560C-15C6-4D7B-A588-66739DD01D36}" type="datetimeFigureOut">
               <a:rPr lang="pt-BR" smtClean="0"/>
-              <a:t>20/10/2022</a:t>
+              <a:t>21/10/2022</a:t>
             </a:fld>
             <a:endParaRPr lang="pt-BR"/>
           </a:p>
@@ -2906,7 +2911,7 @@
           <a:p>
             <a:fld id="{843A560C-15C6-4D7B-A588-66739DD01D36}" type="datetimeFigureOut">
               <a:rPr lang="pt-BR" smtClean="0"/>
-              <a:t>20/10/2022</a:t>
+              <a:t>21/10/2022</a:t>
             </a:fld>
             <a:endParaRPr lang="pt-BR"/>
           </a:p>
@@ -3325,6 +3330,62 @@
       </p:grpSpPr>
       <p:sp>
         <p:nvSpPr>
+          <p:cNvPr id="2" name="Retângulo 1">
+            <a:extLst>
+              <a:ext uri="{FF2B5EF4-FFF2-40B4-BE49-F238E27FC236}">
+                <a16:creationId xmlns:a16="http://schemas.microsoft.com/office/drawing/2014/main" id="{BA925C84-5050-4269-8BE5-8CB89099BEAF}"/>
+              </a:ext>
+            </a:extLst>
+          </p:cNvPr>
+          <p:cNvSpPr/>
+          <p:nvPr/>
+        </p:nvSpPr>
+        <p:spPr>
+          <a:xfrm>
+            <a:off x="2135872" y="597191"/>
+            <a:ext cx="8464491" cy="3548543"/>
+          </a:xfrm>
+          <a:prstGeom prst="rect">
+            <a:avLst/>
+          </a:prstGeom>
+          <a:solidFill>
+            <a:schemeClr val="bg1">
+              <a:lumMod val="85000"/>
+            </a:schemeClr>
+          </a:solidFill>
+          <a:ln>
+            <a:solidFill>
+              <a:srgbClr val="404041"/>
+            </a:solidFill>
+          </a:ln>
+        </p:spPr>
+        <p:style>
+          <a:lnRef idx="2">
+            <a:schemeClr val="accent1">
+              <a:shade val="50000"/>
+            </a:schemeClr>
+          </a:lnRef>
+          <a:fillRef idx="1">
+            <a:schemeClr val="accent1"/>
+          </a:fillRef>
+          <a:effectRef idx="0">
+            <a:schemeClr val="accent1"/>
+          </a:effectRef>
+          <a:fontRef idx="minor">
+            <a:schemeClr val="lt1"/>
+          </a:fontRef>
+        </p:style>
+        <p:txBody>
+          <a:bodyPr rtlCol="0" anchor="ctr"/>
+          <a:lstStyle/>
+          <a:p>
+            <a:pPr algn="ctr"/>
+            <a:endParaRPr lang="pt-BR"/>
+          </a:p>
+        </p:txBody>
+      </p:sp>
+      <p:sp>
+        <p:nvSpPr>
           <p:cNvPr id="21" name="Retângulo 20">
             <a:extLst>
               <a:ext uri="{FF2B5EF4-FFF2-40B4-BE49-F238E27FC236}">

--- a/Julio_Rodrigues_SP_Apresentacao.pptx
+++ b/Julio_Rodrigues_SP_Apresentacao.pptx
@@ -3330,62 +3330,6 @@
       </p:grpSpPr>
       <p:sp>
         <p:nvSpPr>
-          <p:cNvPr id="2" name="Retângulo 1">
-            <a:extLst>
-              <a:ext uri="{FF2B5EF4-FFF2-40B4-BE49-F238E27FC236}">
-                <a16:creationId xmlns:a16="http://schemas.microsoft.com/office/drawing/2014/main" id="{BA925C84-5050-4269-8BE5-8CB89099BEAF}"/>
-              </a:ext>
-            </a:extLst>
-          </p:cNvPr>
-          <p:cNvSpPr/>
-          <p:nvPr/>
-        </p:nvSpPr>
-        <p:spPr>
-          <a:xfrm>
-            <a:off x="2135872" y="597191"/>
-            <a:ext cx="8464491" cy="3548543"/>
-          </a:xfrm>
-          <a:prstGeom prst="rect">
-            <a:avLst/>
-          </a:prstGeom>
-          <a:solidFill>
-            <a:schemeClr val="bg1">
-              <a:lumMod val="85000"/>
-            </a:schemeClr>
-          </a:solidFill>
-          <a:ln>
-            <a:solidFill>
-              <a:srgbClr val="404041"/>
-            </a:solidFill>
-          </a:ln>
-        </p:spPr>
-        <p:style>
-          <a:lnRef idx="2">
-            <a:schemeClr val="accent1">
-              <a:shade val="50000"/>
-            </a:schemeClr>
-          </a:lnRef>
-          <a:fillRef idx="1">
-            <a:schemeClr val="accent1"/>
-          </a:fillRef>
-          <a:effectRef idx="0">
-            <a:schemeClr val="accent1"/>
-          </a:effectRef>
-          <a:fontRef idx="minor">
-            <a:schemeClr val="lt1"/>
-          </a:fontRef>
-        </p:style>
-        <p:txBody>
-          <a:bodyPr rtlCol="0" anchor="ctr"/>
-          <a:lstStyle/>
-          <a:p>
-            <a:pPr algn="ctr"/>
-            <a:endParaRPr lang="pt-BR"/>
-          </a:p>
-        </p:txBody>
-      </p:sp>
-      <p:sp>
-        <p:nvSpPr>
           <p:cNvPr id="21" name="Retângulo 20">
             <a:extLst>
               <a:ext uri="{FF2B5EF4-FFF2-40B4-BE49-F238E27FC236}">
